--- a/animatedMarkerLogos.pptx
+++ b/animatedMarkerLogos.pptx
@@ -5,7 +5,7 @@
     <p:sldMasterId id="2147483648" r:id="rId1"/>
   </p:sldMasterIdLst>
   <p:notesMasterIdLst>
-    <p:notesMasterId r:id="rId13"/>
+    <p:notesMasterId r:id="rId14"/>
   </p:notesMasterIdLst>
   <p:sldIdLst>
     <p:sldId id="256" r:id="rId2"/>
@@ -19,6 +19,7 @@
     <p:sldId id="262" r:id="rId10"/>
     <p:sldId id="263" r:id="rId11"/>
     <p:sldId id="264" r:id="rId12"/>
+    <p:sldId id="267" r:id="rId13"/>
   </p:sldIdLst>
   <p:sldSz cx="12192000" cy="6858000"/>
   <p:notesSz cx="6858000" cy="9144000"/>
@@ -117,6 +118,11 @@
       </a:defRPr>
     </a:lvl9pPr>
   </p:defaultTextStyle>
+  <p:extLst>
+    <p:ext uri="{EFAFB233-063F-42B5-8137-9DF3F51BA10A}">
+      <p15:sldGuideLst xmlns:p15="http://schemas.microsoft.com/office/powerpoint/2012/main"/>
+    </p:ext>
+  </p:extLst>
 </p:presentation>
 </file>
 
@@ -202,7 +208,7 @@
           <a:p>
             <a:fld id="{50FCAFD6-8241-2741-AB67-43D716A29F7F}" type="datetimeFigureOut">
               <a:rPr lang="en-US" smtClean="0"/>
-              <a:t>7/4/19</a:t>
+              <a:t>8/22/19</a:t>
             </a:fld>
             <a:endParaRPr lang="en-US"/>
           </a:p>
@@ -706,7 +712,7 @@
           <a:p>
             <a:fld id="{70F48FFC-2D8E-C145-A4E9-A996C99E9578}" type="datetimeFigureOut">
               <a:rPr lang="en-US" smtClean="0"/>
-              <a:t>7/4/19</a:t>
+              <a:t>8/22/19</a:t>
             </a:fld>
             <a:endParaRPr lang="en-US"/>
           </a:p>
@@ -904,7 +910,7 @@
           <a:p>
             <a:fld id="{70F48FFC-2D8E-C145-A4E9-A996C99E9578}" type="datetimeFigureOut">
               <a:rPr lang="en-US" smtClean="0"/>
-              <a:t>7/4/19</a:t>
+              <a:t>8/22/19</a:t>
             </a:fld>
             <a:endParaRPr lang="en-US"/>
           </a:p>
@@ -1112,7 +1118,7 @@
           <a:p>
             <a:fld id="{70F48FFC-2D8E-C145-A4E9-A996C99E9578}" type="datetimeFigureOut">
               <a:rPr lang="en-US" smtClean="0"/>
-              <a:t>7/4/19</a:t>
+              <a:t>8/22/19</a:t>
             </a:fld>
             <a:endParaRPr lang="en-US"/>
           </a:p>
@@ -1310,7 +1316,7 @@
           <a:p>
             <a:fld id="{70F48FFC-2D8E-C145-A4E9-A996C99E9578}" type="datetimeFigureOut">
               <a:rPr lang="en-US" smtClean="0"/>
-              <a:t>7/4/19</a:t>
+              <a:t>8/22/19</a:t>
             </a:fld>
             <a:endParaRPr lang="en-US"/>
           </a:p>
@@ -1585,7 +1591,7 @@
           <a:p>
             <a:fld id="{70F48FFC-2D8E-C145-A4E9-A996C99E9578}" type="datetimeFigureOut">
               <a:rPr lang="en-US" smtClean="0"/>
-              <a:t>7/4/19</a:t>
+              <a:t>8/22/19</a:t>
             </a:fld>
             <a:endParaRPr lang="en-US"/>
           </a:p>
@@ -1850,7 +1856,7 @@
           <a:p>
             <a:fld id="{70F48FFC-2D8E-C145-A4E9-A996C99E9578}" type="datetimeFigureOut">
               <a:rPr lang="en-US" smtClean="0"/>
-              <a:t>7/4/19</a:t>
+              <a:t>8/22/19</a:t>
             </a:fld>
             <a:endParaRPr lang="en-US"/>
           </a:p>
@@ -2262,7 +2268,7 @@
           <a:p>
             <a:fld id="{70F48FFC-2D8E-C145-A4E9-A996C99E9578}" type="datetimeFigureOut">
               <a:rPr lang="en-US" smtClean="0"/>
-              <a:t>7/4/19</a:t>
+              <a:t>8/22/19</a:t>
             </a:fld>
             <a:endParaRPr lang="en-US"/>
           </a:p>
@@ -2403,7 +2409,7 @@
           <a:p>
             <a:fld id="{70F48FFC-2D8E-C145-A4E9-A996C99E9578}" type="datetimeFigureOut">
               <a:rPr lang="en-US" smtClean="0"/>
-              <a:t>7/4/19</a:t>
+              <a:t>8/22/19</a:t>
             </a:fld>
             <a:endParaRPr lang="en-US"/>
           </a:p>
@@ -2516,7 +2522,7 @@
           <a:p>
             <a:fld id="{70F48FFC-2D8E-C145-A4E9-A996C99E9578}" type="datetimeFigureOut">
               <a:rPr lang="en-US" smtClean="0"/>
-              <a:t>7/4/19</a:t>
+              <a:t>8/22/19</a:t>
             </a:fld>
             <a:endParaRPr lang="en-US"/>
           </a:p>
@@ -2827,7 +2833,7 @@
           <a:p>
             <a:fld id="{70F48FFC-2D8E-C145-A4E9-A996C99E9578}" type="datetimeFigureOut">
               <a:rPr lang="en-US" smtClean="0"/>
-              <a:t>7/4/19</a:t>
+              <a:t>8/22/19</a:t>
             </a:fld>
             <a:endParaRPr lang="en-US"/>
           </a:p>
@@ -3115,7 +3121,7 @@
           <a:p>
             <a:fld id="{70F48FFC-2D8E-C145-A4E9-A996C99E9578}" type="datetimeFigureOut">
               <a:rPr lang="en-US" smtClean="0"/>
-              <a:t>7/4/19</a:t>
+              <a:t>8/22/19</a:t>
             </a:fld>
             <a:endParaRPr lang="en-US"/>
           </a:p>
@@ -3356,7 +3362,7 @@
           <a:p>
             <a:fld id="{70F48FFC-2D8E-C145-A4E9-A996C99E9578}" type="datetimeFigureOut">
               <a:rPr lang="en-US" smtClean="0"/>
-              <a:t>7/4/19</a:t>
+              <a:t>8/22/19</a:t>
             </a:fld>
             <a:endParaRPr lang="en-US"/>
           </a:p>
@@ -6415,6 +6421,412 @@
 </p:sld>
 </file>
 
+<file path=ppt/slides/slide12.xml><?xml version="1.0" encoding="utf-8"?>
+<p:sld xmlns:a="http://schemas.openxmlformats.org/drawingml/2006/main" xmlns:r="http://schemas.openxmlformats.org/officeDocument/2006/relationships" xmlns:p="http://schemas.openxmlformats.org/presentationml/2006/main">
+  <p:cSld>
+    <p:spTree>
+      <p:nvGrpSpPr>
+        <p:cNvPr id="1" name=""/>
+        <p:cNvGrpSpPr/>
+        <p:nvPr/>
+      </p:nvGrpSpPr>
+      <p:grpSpPr>
+        <a:xfrm>
+          <a:off x="0" y="0"/>
+          <a:ext cx="0" cy="0"/>
+          <a:chOff x="0" y="0"/>
+          <a:chExt cx="0" cy="0"/>
+        </a:xfrm>
+      </p:grpSpPr>
+      <p:sp>
+        <p:nvSpPr>
+          <p:cNvPr id="2" name="Title 1">
+            <a:extLst>
+              <a:ext uri="{FF2B5EF4-FFF2-40B4-BE49-F238E27FC236}">
+                <a16:creationId xmlns:a16="http://schemas.microsoft.com/office/drawing/2014/main" id="{12106516-7F58-F44C-9E0B-47B3BE1C925F}"/>
+              </a:ext>
+            </a:extLst>
+          </p:cNvPr>
+          <p:cNvSpPr>
+            <a:spLocks noGrp="1"/>
+          </p:cNvSpPr>
+          <p:nvPr>
+            <p:ph type="title"/>
+          </p:nvPr>
+        </p:nvSpPr>
+        <p:spPr/>
+        <p:txBody>
+          <a:bodyPr/>
+          <a:lstStyle/>
+          <a:p>
+            <a:endParaRPr lang="en-US"/>
+          </a:p>
+        </p:txBody>
+      </p:sp>
+      <p:grpSp>
+        <p:nvGrpSpPr>
+          <p:cNvPr id="21" name="Group 20">
+            <a:extLst>
+              <a:ext uri="{FF2B5EF4-FFF2-40B4-BE49-F238E27FC236}">
+                <a16:creationId xmlns:a16="http://schemas.microsoft.com/office/drawing/2014/main" id="{5DBA98D5-A79E-134C-BD8A-008A708AEBF8}"/>
+              </a:ext>
+            </a:extLst>
+          </p:cNvPr>
+          <p:cNvGrpSpPr/>
+          <p:nvPr/>
+        </p:nvGrpSpPr>
+        <p:grpSpPr>
+          <a:xfrm>
+            <a:off x="4971370" y="4600906"/>
+            <a:ext cx="1124630" cy="1348782"/>
+            <a:chOff x="4971370" y="4600906"/>
+            <a:chExt cx="1124630" cy="1348782"/>
+          </a:xfrm>
+        </p:grpSpPr>
+        <p:grpSp>
+          <p:nvGrpSpPr>
+            <p:cNvPr id="14" name="Group 13">
+              <a:extLst>
+                <a:ext uri="{FF2B5EF4-FFF2-40B4-BE49-F238E27FC236}">
+                  <a16:creationId xmlns:a16="http://schemas.microsoft.com/office/drawing/2014/main" id="{E7312D53-5BB7-574A-AE27-E6F47D01396A}"/>
+                </a:ext>
+              </a:extLst>
+            </p:cNvPr>
+            <p:cNvGrpSpPr/>
+            <p:nvPr/>
+          </p:nvGrpSpPr>
+          <p:grpSpPr>
+            <a:xfrm>
+              <a:off x="4971370" y="4600906"/>
+              <a:ext cx="1124630" cy="1198865"/>
+              <a:chOff x="6758713" y="3649089"/>
+              <a:chExt cx="2288668" cy="2439740"/>
+            </a:xfrm>
+          </p:grpSpPr>
+          <p:sp>
+            <p:nvSpPr>
+              <p:cNvPr id="15" name="Oval 14">
+                <a:extLst>
+                  <a:ext uri="{FF2B5EF4-FFF2-40B4-BE49-F238E27FC236}">
+                    <a16:creationId xmlns:a16="http://schemas.microsoft.com/office/drawing/2014/main" id="{BE775D3A-78A7-7C46-BE29-2D172DCCE770}"/>
+                  </a:ext>
+                </a:extLst>
+              </p:cNvPr>
+              <p:cNvSpPr/>
+              <p:nvPr/>
+            </p:nvSpPr>
+            <p:spPr>
+              <a:xfrm>
+                <a:off x="7297856" y="4812845"/>
+                <a:ext cx="1297250" cy="1184491"/>
+              </a:xfrm>
+              <a:prstGeom prst="ellipse">
+                <a:avLst/>
+              </a:prstGeom>
+              <a:gradFill flip="none" rotWithShape="1">
+                <a:gsLst>
+                  <a:gs pos="15000">
+                    <a:srgbClr val="FCD25C"/>
+                  </a:gs>
+                  <a:gs pos="82000">
+                    <a:srgbClr val="FDE4A1"/>
+                  </a:gs>
+                </a:gsLst>
+                <a:lin ang="5400000" scaled="1"/>
+                <a:tileRect/>
+              </a:gradFill>
+              <a:ln>
+                <a:noFill/>
+              </a:ln>
+            </p:spPr>
+            <p:style>
+              <a:lnRef idx="2">
+                <a:schemeClr val="accent1">
+                  <a:shade val="50000"/>
+                </a:schemeClr>
+              </a:lnRef>
+              <a:fillRef idx="1">
+                <a:schemeClr val="accent1"/>
+              </a:fillRef>
+              <a:effectRef idx="0">
+                <a:schemeClr val="accent1"/>
+              </a:effectRef>
+              <a:fontRef idx="minor">
+                <a:schemeClr val="lt1"/>
+              </a:fontRef>
+            </p:style>
+            <p:txBody>
+              <a:bodyPr rtlCol="0" anchor="ctr"/>
+              <a:lstStyle/>
+              <a:p>
+                <a:pPr algn="ctr"/>
+                <a:endParaRPr lang="en-US"/>
+              </a:p>
+            </p:txBody>
+          </p:sp>
+          <p:pic>
+            <p:nvPicPr>
+              <p:cNvPr id="16" name="Graphic 15" descr="Fire">
+                <a:extLst>
+                  <a:ext uri="{FF2B5EF4-FFF2-40B4-BE49-F238E27FC236}">
+                    <a16:creationId xmlns:a16="http://schemas.microsoft.com/office/drawing/2014/main" id="{60DD413F-362B-4E40-9837-C83F85B8E779}"/>
+                  </a:ext>
+                </a:extLst>
+              </p:cNvPr>
+              <p:cNvPicPr>
+                <a:picLocks noChangeAspect="1"/>
+              </p:cNvPicPr>
+              <p:nvPr/>
+            </p:nvPicPr>
+            <p:blipFill>
+              <a:blip r:embed="rId2">
+                <a:extLst>
+                  <a:ext uri="{96DAC541-7B7A-43D3-8B79-37D633B846F1}">
+                    <asvg:svgBlip xmlns:asvg="http://schemas.microsoft.com/office/drawing/2016/SVG/main" r:embed="rId3"/>
+                  </a:ext>
+                </a:extLst>
+              </a:blip>
+              <a:stretch>
+                <a:fillRect/>
+              </a:stretch>
+            </p:blipFill>
+            <p:spPr>
+              <a:xfrm flipH="1">
+                <a:off x="6758713" y="3952040"/>
+                <a:ext cx="2122544" cy="2136789"/>
+              </a:xfrm>
+              <a:prstGeom prst="rect">
+                <a:avLst/>
+              </a:prstGeom>
+            </p:spPr>
+          </p:pic>
+          <p:pic>
+            <p:nvPicPr>
+              <p:cNvPr id="17" name="Graphic 16" descr="Fire">
+                <a:extLst>
+                  <a:ext uri="{FF2B5EF4-FFF2-40B4-BE49-F238E27FC236}">
+                    <a16:creationId xmlns:a16="http://schemas.microsoft.com/office/drawing/2014/main" id="{F957AF38-676C-1D4C-BCBE-82DCCE69D2A6}"/>
+                  </a:ext>
+                </a:extLst>
+              </p:cNvPr>
+              <p:cNvPicPr>
+                <a:picLocks noChangeAspect="1"/>
+              </p:cNvPicPr>
+              <p:nvPr/>
+            </p:nvPicPr>
+            <p:blipFill>
+              <a:blip r:embed="rId4">
+                <a:extLst>
+                  <a:ext uri="{96DAC541-7B7A-43D3-8B79-37D633B846F1}">
+                    <asvg:svgBlip xmlns:asvg="http://schemas.microsoft.com/office/drawing/2016/SVG/main" r:embed="rId5"/>
+                  </a:ext>
+                </a:extLst>
+              </a:blip>
+              <a:stretch>
+                <a:fillRect/>
+              </a:stretch>
+            </p:blipFill>
+            <p:spPr>
+              <a:xfrm flipH="1">
+                <a:off x="6758713" y="3830169"/>
+                <a:ext cx="2288668" cy="1922064"/>
+              </a:xfrm>
+              <a:prstGeom prst="rect">
+                <a:avLst/>
+              </a:prstGeom>
+            </p:spPr>
+          </p:pic>
+          <p:pic>
+            <p:nvPicPr>
+              <p:cNvPr id="18" name="Graphic 17" descr="Fire">
+                <a:extLst>
+                  <a:ext uri="{FF2B5EF4-FFF2-40B4-BE49-F238E27FC236}">
+                    <a16:creationId xmlns:a16="http://schemas.microsoft.com/office/drawing/2014/main" id="{4D3FDA26-4D2E-2C4E-BD97-C6D84EB54746}"/>
+                  </a:ext>
+                </a:extLst>
+              </p:cNvPr>
+              <p:cNvPicPr>
+                <a:picLocks noChangeAspect="1"/>
+              </p:cNvPicPr>
+              <p:nvPr/>
+            </p:nvPicPr>
+            <p:blipFill>
+              <a:blip r:embed="rId6">
+                <a:extLst>
+                  <a:ext uri="{96DAC541-7B7A-43D3-8B79-37D633B846F1}">
+                    <asvg:svgBlip xmlns:asvg="http://schemas.microsoft.com/office/drawing/2016/SVG/main" r:embed="rId7"/>
+                  </a:ext>
+                </a:extLst>
+              </a:blip>
+              <a:stretch>
+                <a:fillRect/>
+              </a:stretch>
+            </p:blipFill>
+            <p:spPr>
+              <a:xfrm>
+                <a:off x="7338738" y="4245736"/>
+                <a:ext cx="1561411" cy="1776700"/>
+              </a:xfrm>
+              <a:prstGeom prst="rect">
+                <a:avLst/>
+              </a:prstGeom>
+            </p:spPr>
+          </p:pic>
+          <p:sp>
+            <p:nvSpPr>
+              <p:cNvPr id="19" name="Oval 18">
+                <a:extLst>
+                  <a:ext uri="{FF2B5EF4-FFF2-40B4-BE49-F238E27FC236}">
+                    <a16:creationId xmlns:a16="http://schemas.microsoft.com/office/drawing/2014/main" id="{5CEC4F48-2566-B64B-A0C3-B823F97F4C45}"/>
+                  </a:ext>
+                </a:extLst>
+              </p:cNvPr>
+              <p:cNvSpPr/>
+              <p:nvPr/>
+            </p:nvSpPr>
+            <p:spPr>
+              <a:xfrm rot="19835126">
+                <a:off x="7120522" y="4201719"/>
+                <a:ext cx="91676" cy="235889"/>
+              </a:xfrm>
+              <a:prstGeom prst="ellipse">
+                <a:avLst/>
+              </a:prstGeom>
+              <a:solidFill>
+                <a:srgbClr val="E65443"/>
+              </a:solidFill>
+              <a:ln>
+                <a:noFill/>
+              </a:ln>
+            </p:spPr>
+            <p:style>
+              <a:lnRef idx="2">
+                <a:schemeClr val="accent1">
+                  <a:shade val="50000"/>
+                </a:schemeClr>
+              </a:lnRef>
+              <a:fillRef idx="1">
+                <a:schemeClr val="accent1"/>
+              </a:fillRef>
+              <a:effectRef idx="0">
+                <a:schemeClr val="accent1"/>
+              </a:effectRef>
+              <a:fontRef idx="minor">
+                <a:schemeClr val="lt1"/>
+              </a:fontRef>
+            </p:style>
+            <p:txBody>
+              <a:bodyPr rtlCol="0" anchor="ctr"/>
+              <a:lstStyle/>
+              <a:p>
+                <a:pPr algn="ctr"/>
+                <a:endParaRPr lang="en-US"/>
+              </a:p>
+            </p:txBody>
+          </p:sp>
+          <p:sp>
+            <p:nvSpPr>
+              <p:cNvPr id="20" name="Oval 19">
+                <a:extLst>
+                  <a:ext uri="{FF2B5EF4-FFF2-40B4-BE49-F238E27FC236}">
+                    <a16:creationId xmlns:a16="http://schemas.microsoft.com/office/drawing/2014/main" id="{87F9DE41-70E6-4D43-B5A8-316A2DA77336}"/>
+                  </a:ext>
+                </a:extLst>
+              </p:cNvPr>
+              <p:cNvSpPr/>
+              <p:nvPr/>
+            </p:nvSpPr>
+            <p:spPr>
+              <a:xfrm rot="1162714">
+                <a:off x="8379414" y="3649089"/>
+                <a:ext cx="91676" cy="235889"/>
+              </a:xfrm>
+              <a:prstGeom prst="ellipse">
+                <a:avLst/>
+              </a:prstGeom>
+              <a:solidFill>
+                <a:srgbClr val="FFCE00"/>
+              </a:solidFill>
+              <a:ln>
+                <a:noFill/>
+              </a:ln>
+            </p:spPr>
+            <p:style>
+              <a:lnRef idx="2">
+                <a:schemeClr val="accent1">
+                  <a:shade val="50000"/>
+                </a:schemeClr>
+              </a:lnRef>
+              <a:fillRef idx="1">
+                <a:schemeClr val="accent1"/>
+              </a:fillRef>
+              <a:effectRef idx="0">
+                <a:schemeClr val="accent1"/>
+              </a:effectRef>
+              <a:fontRef idx="minor">
+                <a:schemeClr val="lt1"/>
+              </a:fontRef>
+            </p:style>
+            <p:txBody>
+              <a:bodyPr rtlCol="0" anchor="ctr"/>
+              <a:lstStyle/>
+              <a:p>
+                <a:pPr algn="ctr"/>
+                <a:endParaRPr lang="en-US"/>
+              </a:p>
+            </p:txBody>
+          </p:sp>
+        </p:grpSp>
+        <p:pic>
+          <p:nvPicPr>
+            <p:cNvPr id="4" name="Graphic 3" descr="City">
+              <a:extLst>
+                <a:ext uri="{FF2B5EF4-FFF2-40B4-BE49-F238E27FC236}">
+                  <a16:creationId xmlns:a16="http://schemas.microsoft.com/office/drawing/2014/main" id="{6426C724-B625-424A-AA5E-8EB7E989AECF}"/>
+                </a:ext>
+              </a:extLst>
+            </p:cNvPr>
+            <p:cNvPicPr>
+              <a:picLocks noChangeAspect="1"/>
+            </p:cNvPicPr>
+            <p:nvPr/>
+          </p:nvPicPr>
+          <p:blipFill>
+            <a:blip r:embed="rId8">
+              <a:extLst>
+                <a:ext uri="{96DAC541-7B7A-43D3-8B79-37D633B846F1}">
+                  <asvg:svgBlip xmlns:asvg="http://schemas.microsoft.com/office/drawing/2016/SVG/main" r:embed="rId9"/>
+                </a:ext>
+              </a:extLst>
+            </a:blip>
+            <a:stretch>
+              <a:fillRect/>
+            </a:stretch>
+          </p:blipFill>
+          <p:spPr>
+            <a:xfrm>
+              <a:off x="4971370" y="4825058"/>
+              <a:ext cx="1124630" cy="1124630"/>
+            </a:xfrm>
+            <a:prstGeom prst="rect">
+              <a:avLst/>
+            </a:prstGeom>
+          </p:spPr>
+        </p:pic>
+      </p:grpSp>
+    </p:spTree>
+    <p:extLst>
+      <p:ext uri="{BB962C8B-B14F-4D97-AF65-F5344CB8AC3E}">
+        <p14:creationId xmlns:p14="http://schemas.microsoft.com/office/powerpoint/2010/main" val="3267688431"/>
+      </p:ext>
+    </p:extLst>
+  </p:cSld>
+  <p:clrMapOvr>
+    <a:masterClrMapping/>
+  </p:clrMapOvr>
+</p:sld>
+</file>
+
 <file path=ppt/slides/slide2.xml><?xml version="1.0" encoding="utf-8"?>
 <p:sld xmlns:a="http://schemas.openxmlformats.org/drawingml/2006/main" xmlns:r="http://schemas.openxmlformats.org/officeDocument/2006/relationships" xmlns:p="http://schemas.openxmlformats.org/presentationml/2006/main">
   <p:cSld>
